--- a/doc/source/_static/raw_figures_5.83x7.78_w_annotation.pptx
+++ b/doc/source/_static/raw_figures_5.83x7.78_w_annotation.pptx
@@ -128,6 +128,11 @@
       </a:defRPr>
     </a:lvl9pPr>
   </p:defaultTextStyle>
+  <p:extLst>
+    <p:ext uri="{EFAFB233-063F-42B5-8137-9DF3F51BA10A}">
+      <p15:sldGuideLst xmlns:p15="http://schemas.microsoft.com/office/powerpoint/2012/main"/>
+    </p:ext>
+  </p:extLst>
 </p:presentation>
 </file>
 
@@ -213,7 +218,7 @@
           <a:p>
             <a:fld id="{9030E1CE-C28A-464E-BA82-384904B2C314}" type="datetimeFigureOut">
               <a:rPr lang="en-US" smtClean="0"/>
-              <a:t>10/8/2021</a:t>
+              <a:t>10/19/2021</a:t>
             </a:fld>
             <a:endParaRPr lang="en-US"/>
           </a:p>
@@ -2003,7 +2008,7 @@
           <a:p>
             <a:fld id="{3FD010C7-1079-4049-B638-CCD5A23C38E0}" type="datetimeFigureOut">
               <a:rPr lang="en-US" smtClean="0"/>
-              <a:t>10/8/2021</a:t>
+              <a:t>10/19/2021</a:t>
             </a:fld>
             <a:endParaRPr lang="en-US"/>
           </a:p>
@@ -2173,7 +2178,7 @@
           <a:p>
             <a:fld id="{3FD010C7-1079-4049-B638-CCD5A23C38E0}" type="datetimeFigureOut">
               <a:rPr lang="en-US" smtClean="0"/>
-              <a:t>10/8/2021</a:t>
+              <a:t>10/19/2021</a:t>
             </a:fld>
             <a:endParaRPr lang="en-US"/>
           </a:p>
@@ -2353,7 +2358,7 @@
           <a:p>
             <a:fld id="{3FD010C7-1079-4049-B638-CCD5A23C38E0}" type="datetimeFigureOut">
               <a:rPr lang="en-US" smtClean="0"/>
-              <a:t>10/8/2021</a:t>
+              <a:t>10/19/2021</a:t>
             </a:fld>
             <a:endParaRPr lang="en-US"/>
           </a:p>
@@ -2523,7 +2528,7 @@
           <a:p>
             <a:fld id="{3FD010C7-1079-4049-B638-CCD5A23C38E0}" type="datetimeFigureOut">
               <a:rPr lang="en-US" smtClean="0"/>
-              <a:t>10/8/2021</a:t>
+              <a:t>10/19/2021</a:t>
             </a:fld>
             <a:endParaRPr lang="en-US"/>
           </a:p>
@@ -2767,7 +2772,7 @@
           <a:p>
             <a:fld id="{3FD010C7-1079-4049-B638-CCD5A23C38E0}" type="datetimeFigureOut">
               <a:rPr lang="en-US" smtClean="0"/>
-              <a:t>10/8/2021</a:t>
+              <a:t>10/19/2021</a:t>
             </a:fld>
             <a:endParaRPr lang="en-US"/>
           </a:p>
@@ -2999,7 +3004,7 @@
           <a:p>
             <a:fld id="{3FD010C7-1079-4049-B638-CCD5A23C38E0}" type="datetimeFigureOut">
               <a:rPr lang="en-US" smtClean="0"/>
-              <a:t>10/8/2021</a:t>
+              <a:t>10/19/2021</a:t>
             </a:fld>
             <a:endParaRPr lang="en-US"/>
           </a:p>
@@ -3366,7 +3371,7 @@
           <a:p>
             <a:fld id="{3FD010C7-1079-4049-B638-CCD5A23C38E0}" type="datetimeFigureOut">
               <a:rPr lang="en-US" smtClean="0"/>
-              <a:t>10/8/2021</a:t>
+              <a:t>10/19/2021</a:t>
             </a:fld>
             <a:endParaRPr lang="en-US"/>
           </a:p>
@@ -3484,7 +3489,7 @@
           <a:p>
             <a:fld id="{3FD010C7-1079-4049-B638-CCD5A23C38E0}" type="datetimeFigureOut">
               <a:rPr lang="en-US" smtClean="0"/>
-              <a:t>10/8/2021</a:t>
+              <a:t>10/19/2021</a:t>
             </a:fld>
             <a:endParaRPr lang="en-US"/>
           </a:p>
@@ -3579,7 +3584,7 @@
           <a:p>
             <a:fld id="{3FD010C7-1079-4049-B638-CCD5A23C38E0}" type="datetimeFigureOut">
               <a:rPr lang="en-US" smtClean="0"/>
-              <a:t>10/8/2021</a:t>
+              <a:t>10/19/2021</a:t>
             </a:fld>
             <a:endParaRPr lang="en-US"/>
           </a:p>
@@ -3856,7 +3861,7 @@
           <a:p>
             <a:fld id="{3FD010C7-1079-4049-B638-CCD5A23C38E0}" type="datetimeFigureOut">
               <a:rPr lang="en-US" smtClean="0"/>
-              <a:t>10/8/2021</a:t>
+              <a:t>10/19/2021</a:t>
             </a:fld>
             <a:endParaRPr lang="en-US"/>
           </a:p>
@@ -4113,7 +4118,7 @@
           <a:p>
             <a:fld id="{3FD010C7-1079-4049-B638-CCD5A23C38E0}" type="datetimeFigureOut">
               <a:rPr lang="en-US" smtClean="0"/>
-              <a:t>10/8/2021</a:t>
+              <a:t>10/19/2021</a:t>
             </a:fld>
             <a:endParaRPr lang="en-US"/>
           </a:p>
@@ -4326,7 +4331,7 @@
           <a:p>
             <a:fld id="{3FD010C7-1079-4049-B638-CCD5A23C38E0}" type="datetimeFigureOut">
               <a:rPr lang="en-US" smtClean="0"/>
-              <a:t>10/8/2021</a:t>
+              <a:t>10/19/2021</a:t>
             </a:fld>
             <a:endParaRPr lang="en-US"/>
           </a:p>
